--- a/images/aftr_trees.pptx
+++ b/images/aftr_trees.pptx
@@ -208,7 +208,7 @@
           <a:p>
             <a:fld id="{C571D33F-B151-5442-9D79-DA0A881D815F}" type="datetimeFigureOut">
               <a:rPr lang="en-US" smtClean="0"/>
-              <a:t>8/19/22</a:t>
+              <a:t>10/20/22</a:t>
             </a:fld>
             <a:endParaRPr lang="en-US"/>
           </a:p>
@@ -743,7 +743,7 @@
           <a:p>
             <a:fld id="{01197F44-DB72-474A-9754-31703E05C006}" type="datetimeFigureOut">
               <a:rPr lang="en-US" smtClean="0"/>
-              <a:t>8/19/22</a:t>
+              <a:t>10/20/22</a:t>
             </a:fld>
             <a:endParaRPr lang="en-US"/>
           </a:p>
@@ -911,7 +911,7 @@
           <a:p>
             <a:fld id="{01197F44-DB72-474A-9754-31703E05C006}" type="datetimeFigureOut">
               <a:rPr lang="en-US" smtClean="0"/>
-              <a:t>8/19/22</a:t>
+              <a:t>10/20/22</a:t>
             </a:fld>
             <a:endParaRPr lang="en-US"/>
           </a:p>
@@ -1089,7 +1089,7 @@
           <a:p>
             <a:fld id="{01197F44-DB72-474A-9754-31703E05C006}" type="datetimeFigureOut">
               <a:rPr lang="en-US" smtClean="0"/>
-              <a:t>8/19/22</a:t>
+              <a:t>10/20/22</a:t>
             </a:fld>
             <a:endParaRPr lang="en-US"/>
           </a:p>
@@ -1257,7 +1257,7 @@
           <a:p>
             <a:fld id="{01197F44-DB72-474A-9754-31703E05C006}" type="datetimeFigureOut">
               <a:rPr lang="en-US" smtClean="0"/>
-              <a:t>8/19/22</a:t>
+              <a:t>10/20/22</a:t>
             </a:fld>
             <a:endParaRPr lang="en-US"/>
           </a:p>
@@ -1502,7 +1502,7 @@
           <a:p>
             <a:fld id="{01197F44-DB72-474A-9754-31703E05C006}" type="datetimeFigureOut">
               <a:rPr lang="en-US" smtClean="0"/>
-              <a:t>8/19/22</a:t>
+              <a:t>10/20/22</a:t>
             </a:fld>
             <a:endParaRPr lang="en-US"/>
           </a:p>
@@ -1787,7 +1787,7 @@
           <a:p>
             <a:fld id="{01197F44-DB72-474A-9754-31703E05C006}" type="datetimeFigureOut">
               <a:rPr lang="en-US" smtClean="0"/>
-              <a:t>8/19/22</a:t>
+              <a:t>10/20/22</a:t>
             </a:fld>
             <a:endParaRPr lang="en-US"/>
           </a:p>
@@ -2206,7 +2206,7 @@
           <a:p>
             <a:fld id="{01197F44-DB72-474A-9754-31703E05C006}" type="datetimeFigureOut">
               <a:rPr lang="en-US" smtClean="0"/>
-              <a:t>8/19/22</a:t>
+              <a:t>10/20/22</a:t>
             </a:fld>
             <a:endParaRPr lang="en-US"/>
           </a:p>
@@ -2323,7 +2323,7 @@
           <a:p>
             <a:fld id="{01197F44-DB72-474A-9754-31703E05C006}" type="datetimeFigureOut">
               <a:rPr lang="en-US" smtClean="0"/>
-              <a:t>8/19/22</a:t>
+              <a:t>10/20/22</a:t>
             </a:fld>
             <a:endParaRPr lang="en-US"/>
           </a:p>
@@ -2418,7 +2418,7 @@
           <a:p>
             <a:fld id="{01197F44-DB72-474A-9754-31703E05C006}" type="datetimeFigureOut">
               <a:rPr lang="en-US" smtClean="0"/>
-              <a:t>8/19/22</a:t>
+              <a:t>10/20/22</a:t>
             </a:fld>
             <a:endParaRPr lang="en-US"/>
           </a:p>
@@ -2693,7 +2693,7 @@
           <a:p>
             <a:fld id="{01197F44-DB72-474A-9754-31703E05C006}" type="datetimeFigureOut">
               <a:rPr lang="en-US" smtClean="0"/>
-              <a:t>8/19/22</a:t>
+              <a:t>10/20/22</a:t>
             </a:fld>
             <a:endParaRPr lang="en-US"/>
           </a:p>
@@ -2945,7 +2945,7 @@
           <a:p>
             <a:fld id="{01197F44-DB72-474A-9754-31703E05C006}" type="datetimeFigureOut">
               <a:rPr lang="en-US" smtClean="0"/>
-              <a:t>8/19/22</a:t>
+              <a:t>10/20/22</a:t>
             </a:fld>
             <a:endParaRPr lang="en-US"/>
           </a:p>
@@ -3156,7 +3156,7 @@
           <a:p>
             <a:fld id="{01197F44-DB72-474A-9754-31703E05C006}" type="datetimeFigureOut">
               <a:rPr lang="en-US" smtClean="0"/>
-              <a:t>8/19/22</a:t>
+              <a:t>10/20/22</a:t>
             </a:fld>
             <a:endParaRPr lang="en-US"/>
           </a:p>
@@ -3533,10 +3533,10 @@
       </p:grpSpPr>
       <p:pic>
         <p:nvPicPr>
-          <p:cNvPr id="12" name="Picture 11">
+          <p:cNvPr id="13" name="Picture 12">
             <a:extLst>
               <a:ext uri="{FF2B5EF4-FFF2-40B4-BE49-F238E27FC236}">
-                <a16:creationId xmlns:a16="http://schemas.microsoft.com/office/drawing/2014/main" id="{E7918BBD-49D3-214F-9A68-CFE650F8AF0D}"/>
+                <a16:creationId xmlns:a16="http://schemas.microsoft.com/office/drawing/2014/main" id="{F4470CB8-385C-6144-A6A9-33F74B5D09EB}"/>
               </a:ext>
             </a:extLst>
           </p:cNvPr>
@@ -3553,20 +3553,90 @@
         </p:blipFill>
         <p:spPr>
           <a:xfrm>
-            <a:off x="3835055" y="0"/>
-            <a:ext cx="3480145" cy="9144000"/>
+            <a:off x="0" y="523220"/>
+            <a:ext cx="3480145" cy="7195926"/>
           </a:xfrm>
           <a:prstGeom prst="rect">
             <a:avLst/>
           </a:prstGeom>
         </p:spPr>
       </p:pic>
+      <p:sp>
+        <p:nvSpPr>
+          <p:cNvPr id="6" name="TextBox 5">
+            <a:extLst>
+              <a:ext uri="{FF2B5EF4-FFF2-40B4-BE49-F238E27FC236}">
+                <a16:creationId xmlns:a16="http://schemas.microsoft.com/office/drawing/2014/main" id="{20CA894F-377E-4A4C-9489-C1600ACE739B}"/>
+              </a:ext>
+            </a:extLst>
+          </p:cNvPr>
+          <p:cNvSpPr txBox="1"/>
+          <p:nvPr/>
+        </p:nvSpPr>
+        <p:spPr>
+          <a:xfrm>
+            <a:off x="185980" y="0"/>
+            <a:ext cx="805912" cy="523220"/>
+          </a:xfrm>
+          <a:prstGeom prst="rect">
+            <a:avLst/>
+          </a:prstGeom>
+          <a:noFill/>
+        </p:spPr>
+        <p:txBody>
+          <a:bodyPr wrap="square" rtlCol="0">
+            <a:spAutoFit/>
+          </a:bodyPr>
+          <a:lstStyle/>
+          <a:p>
+            <a:r>
+              <a:rPr lang="en-US" sz="2800" b="1" dirty="0"/>
+              <a:t>A</a:t>
+            </a:r>
+          </a:p>
+        </p:txBody>
+      </p:sp>
+      <p:sp>
+        <p:nvSpPr>
+          <p:cNvPr id="15" name="TextBox 14">
+            <a:extLst>
+              <a:ext uri="{FF2B5EF4-FFF2-40B4-BE49-F238E27FC236}">
+                <a16:creationId xmlns:a16="http://schemas.microsoft.com/office/drawing/2014/main" id="{5D783B46-9A72-CB40-A33F-AB39171B225D}"/>
+              </a:ext>
+            </a:extLst>
+          </p:cNvPr>
+          <p:cNvSpPr txBox="1"/>
+          <p:nvPr/>
+        </p:nvSpPr>
+        <p:spPr>
+          <a:xfrm>
+            <a:off x="3332135" y="0"/>
+            <a:ext cx="805912" cy="523220"/>
+          </a:xfrm>
+          <a:prstGeom prst="rect">
+            <a:avLst/>
+          </a:prstGeom>
+          <a:noFill/>
+        </p:spPr>
+        <p:txBody>
+          <a:bodyPr wrap="square" rtlCol="0">
+            <a:spAutoFit/>
+          </a:bodyPr>
+          <a:lstStyle/>
+          <a:p>
+            <a:r>
+              <a:rPr lang="en-US" sz="2800" b="1" dirty="0"/>
+              <a:t>B</a:t>
+            </a:r>
+          </a:p>
+        </p:txBody>
+      </p:sp>
       <p:pic>
         <p:nvPicPr>
-          <p:cNvPr id="13" name="Picture 12">
+          <p:cNvPr id="3" name="Picture 2">
             <a:extLst>
               <a:ext uri="{FF2B5EF4-FFF2-40B4-BE49-F238E27FC236}">
-                <a16:creationId xmlns:a16="http://schemas.microsoft.com/office/drawing/2014/main" id="{F4470CB8-385C-6144-A6A9-33F74B5D09EB}"/>
+                <a16:creationId xmlns:a16="http://schemas.microsoft.com/office/drawing/2014/main" id="{A37947C4-3AEE-2A4F-9E3C-B15377525672}"/>
               </a:ext>
             </a:extLst>
           </p:cNvPr>
@@ -3583,84 +3653,14 @@
         </p:blipFill>
         <p:spPr>
           <a:xfrm>
-            <a:off x="0" y="523220"/>
-            <a:ext cx="3480145" cy="7195926"/>
+            <a:off x="3735091" y="0"/>
+            <a:ext cx="3480145" cy="9144000"/>
           </a:xfrm>
           <a:prstGeom prst="rect">
             <a:avLst/>
           </a:prstGeom>
         </p:spPr>
       </p:pic>
-      <p:sp>
-        <p:nvSpPr>
-          <p:cNvPr id="6" name="TextBox 5">
-            <a:extLst>
-              <a:ext uri="{FF2B5EF4-FFF2-40B4-BE49-F238E27FC236}">
-                <a16:creationId xmlns:a16="http://schemas.microsoft.com/office/drawing/2014/main" id="{20CA894F-377E-4A4C-9489-C1600ACE739B}"/>
-              </a:ext>
-            </a:extLst>
-          </p:cNvPr>
-          <p:cNvSpPr txBox="1"/>
-          <p:nvPr/>
-        </p:nvSpPr>
-        <p:spPr>
-          <a:xfrm>
-            <a:off x="185980" y="0"/>
-            <a:ext cx="805912" cy="523220"/>
-          </a:xfrm>
-          <a:prstGeom prst="rect">
-            <a:avLst/>
-          </a:prstGeom>
-          <a:noFill/>
-        </p:spPr>
-        <p:txBody>
-          <a:bodyPr wrap="square" rtlCol="0">
-            <a:spAutoFit/>
-          </a:bodyPr>
-          <a:lstStyle/>
-          <a:p>
-            <a:r>
-              <a:rPr lang="en-US" sz="2800" b="1" dirty="0"/>
-              <a:t>A</a:t>
-            </a:r>
-          </a:p>
-        </p:txBody>
-      </p:sp>
-      <p:sp>
-        <p:nvSpPr>
-          <p:cNvPr id="15" name="TextBox 14">
-            <a:extLst>
-              <a:ext uri="{FF2B5EF4-FFF2-40B4-BE49-F238E27FC236}">
-                <a16:creationId xmlns:a16="http://schemas.microsoft.com/office/drawing/2014/main" id="{5D783B46-9A72-CB40-A33F-AB39171B225D}"/>
-              </a:ext>
-            </a:extLst>
-          </p:cNvPr>
-          <p:cNvSpPr txBox="1"/>
-          <p:nvPr/>
-        </p:nvSpPr>
-        <p:spPr>
-          <a:xfrm>
-            <a:off x="3332135" y="0"/>
-            <a:ext cx="805912" cy="523220"/>
-          </a:xfrm>
-          <a:prstGeom prst="rect">
-            <a:avLst/>
-          </a:prstGeom>
-          <a:noFill/>
-        </p:spPr>
-        <p:txBody>
-          <a:bodyPr wrap="square" rtlCol="0">
-            <a:spAutoFit/>
-          </a:bodyPr>
-          <a:lstStyle/>
-          <a:p>
-            <a:r>
-              <a:rPr lang="en-US" sz="2800" b="1" dirty="0"/>
-              <a:t>B</a:t>
-            </a:r>
-          </a:p>
-        </p:txBody>
-      </p:sp>
     </p:spTree>
     <p:extLst>
       <p:ext uri="{BB962C8B-B14F-4D97-AF65-F5344CB8AC3E}">

--- a/images/aftr_trees.pptx
+++ b/images/aftr_trees.pptx
@@ -10,14 +10,14 @@
   <p:sldIdLst>
     <p:sldId id="256" r:id="rId2"/>
   </p:sldIdLst>
-  <p:sldSz cx="7315200" cy="9144000"/>
+  <p:sldSz cx="3600450" cy="7199313"/>
   <p:notesSz cx="6858000" cy="9144000"/>
   <p:defaultTextStyle>
     <a:defPPr>
       <a:defRPr lang="en-US"/>
     </a:defPPr>
-    <a:lvl1pPr marL="0" algn="l" defTabSz="260639" rtl="0" eaLnBrk="1" latinLnBrk="0" hangingPunct="1">
-      <a:defRPr sz="1078" kern="1200">
+    <a:lvl1pPr marL="0" algn="l" defTabSz="142517" rtl="0" eaLnBrk="1" latinLnBrk="0" hangingPunct="1">
+      <a:defRPr sz="589" kern="1200">
         <a:solidFill>
           <a:schemeClr val="tx1"/>
         </a:solidFill>
@@ -26,8 +26,8 @@
         <a:cs typeface="+mn-cs"/>
       </a:defRPr>
     </a:lvl1pPr>
-    <a:lvl2pPr marL="260639" algn="l" defTabSz="260639" rtl="0" eaLnBrk="1" latinLnBrk="0" hangingPunct="1">
-      <a:defRPr sz="1078" kern="1200">
+    <a:lvl2pPr marL="142517" algn="l" defTabSz="142517" rtl="0" eaLnBrk="1" latinLnBrk="0" hangingPunct="1">
+      <a:defRPr sz="589" kern="1200">
         <a:solidFill>
           <a:schemeClr val="tx1"/>
         </a:solidFill>
@@ -36,8 +36,8 @@
         <a:cs typeface="+mn-cs"/>
       </a:defRPr>
     </a:lvl2pPr>
-    <a:lvl3pPr marL="521282" algn="l" defTabSz="260639" rtl="0" eaLnBrk="1" latinLnBrk="0" hangingPunct="1">
-      <a:defRPr sz="1078" kern="1200">
+    <a:lvl3pPr marL="285037" algn="l" defTabSz="142517" rtl="0" eaLnBrk="1" latinLnBrk="0" hangingPunct="1">
+      <a:defRPr sz="589" kern="1200">
         <a:solidFill>
           <a:schemeClr val="tx1"/>
         </a:solidFill>
@@ -46,8 +46,8 @@
         <a:cs typeface="+mn-cs"/>
       </a:defRPr>
     </a:lvl3pPr>
-    <a:lvl4pPr marL="781922" algn="l" defTabSz="260639" rtl="0" eaLnBrk="1" latinLnBrk="0" hangingPunct="1">
-      <a:defRPr sz="1078" kern="1200">
+    <a:lvl4pPr marL="427555" algn="l" defTabSz="142517" rtl="0" eaLnBrk="1" latinLnBrk="0" hangingPunct="1">
+      <a:defRPr sz="589" kern="1200">
         <a:solidFill>
           <a:schemeClr val="tx1"/>
         </a:solidFill>
@@ -56,8 +56,8 @@
         <a:cs typeface="+mn-cs"/>
       </a:defRPr>
     </a:lvl4pPr>
-    <a:lvl5pPr marL="1042562" algn="l" defTabSz="260639" rtl="0" eaLnBrk="1" latinLnBrk="0" hangingPunct="1">
-      <a:defRPr sz="1078" kern="1200">
+    <a:lvl5pPr marL="570073" algn="l" defTabSz="142517" rtl="0" eaLnBrk="1" latinLnBrk="0" hangingPunct="1">
+      <a:defRPr sz="589" kern="1200">
         <a:solidFill>
           <a:schemeClr val="tx1"/>
         </a:solidFill>
@@ -66,8 +66,8 @@
         <a:cs typeface="+mn-cs"/>
       </a:defRPr>
     </a:lvl5pPr>
-    <a:lvl6pPr marL="1303205" algn="l" defTabSz="260639" rtl="0" eaLnBrk="1" latinLnBrk="0" hangingPunct="1">
-      <a:defRPr sz="1078" kern="1200">
+    <a:lvl6pPr marL="712592" algn="l" defTabSz="142517" rtl="0" eaLnBrk="1" latinLnBrk="0" hangingPunct="1">
+      <a:defRPr sz="589" kern="1200">
         <a:solidFill>
           <a:schemeClr val="tx1"/>
         </a:solidFill>
@@ -76,8 +76,8 @@
         <a:cs typeface="+mn-cs"/>
       </a:defRPr>
     </a:lvl6pPr>
-    <a:lvl7pPr marL="1563845" algn="l" defTabSz="260639" rtl="0" eaLnBrk="1" latinLnBrk="0" hangingPunct="1">
-      <a:defRPr sz="1078" kern="1200">
+    <a:lvl7pPr marL="855110" algn="l" defTabSz="142517" rtl="0" eaLnBrk="1" latinLnBrk="0" hangingPunct="1">
+      <a:defRPr sz="589" kern="1200">
         <a:solidFill>
           <a:schemeClr val="tx1"/>
         </a:solidFill>
@@ -86,8 +86,8 @@
         <a:cs typeface="+mn-cs"/>
       </a:defRPr>
     </a:lvl7pPr>
-    <a:lvl8pPr marL="1824488" algn="l" defTabSz="260639" rtl="0" eaLnBrk="1" latinLnBrk="0" hangingPunct="1">
-      <a:defRPr sz="1078" kern="1200">
+    <a:lvl8pPr marL="997630" algn="l" defTabSz="142517" rtl="0" eaLnBrk="1" latinLnBrk="0" hangingPunct="1">
+      <a:defRPr sz="589" kern="1200">
         <a:solidFill>
           <a:schemeClr val="tx1"/>
         </a:solidFill>
@@ -96,8 +96,8 @@
         <a:cs typeface="+mn-cs"/>
       </a:defRPr>
     </a:lvl8pPr>
-    <a:lvl9pPr marL="2085129" algn="l" defTabSz="260639" rtl="0" eaLnBrk="1" latinLnBrk="0" hangingPunct="1">
-      <a:defRPr sz="1078" kern="1200">
+    <a:lvl9pPr marL="1140149" algn="l" defTabSz="142517" rtl="0" eaLnBrk="1" latinLnBrk="0" hangingPunct="1">
+      <a:defRPr sz="589" kern="1200">
         <a:solidFill>
           <a:schemeClr val="tx1"/>
         </a:solidFill>
@@ -110,12 +110,12 @@
   <p:extLst>
     <p:ext uri="{EFAFB233-063F-42B5-8137-9DF3F51BA10A}">
       <p15:sldGuideLst xmlns:p15="http://schemas.microsoft.com/office/powerpoint/2012/main">
-        <p15:guide id="1" orient="horz" pos="2880" userDrawn="1">
+        <p15:guide id="1" orient="horz" pos="2268" userDrawn="1">
           <p15:clr>
             <a:srgbClr val="A4A3A4"/>
           </p15:clr>
         </p15:guide>
-        <p15:guide id="2" pos="2304" userDrawn="1">
+        <p15:guide id="2" pos="1134" userDrawn="1">
           <p15:clr>
             <a:srgbClr val="A4A3A4"/>
           </p15:clr>
@@ -208,7 +208,7 @@
           <a:p>
             <a:fld id="{C571D33F-B151-5442-9D79-DA0A881D815F}" type="datetimeFigureOut">
               <a:rPr lang="en-US" smtClean="0"/>
-              <a:t>10/20/22</a:t>
+              <a:t>9/7/23</a:t>
             </a:fld>
             <a:endParaRPr lang="en-US"/>
           </a:p>
@@ -226,8 +226,8 @@
         </p:nvSpPr>
         <p:spPr>
           <a:xfrm>
-            <a:off x="2195513" y="1143000"/>
-            <a:ext cx="2466975" cy="3086100"/>
+            <a:off x="2657475" y="1143000"/>
+            <a:ext cx="1543050" cy="3086100"/>
           </a:xfrm>
           <a:prstGeom prst="rect">
             <a:avLst/>
@@ -381,8 +381,8 @@
   </p:cSld>
   <p:clrMap bg1="lt1" tx1="dk1" bg2="lt2" tx2="dk2" accent1="accent1" accent2="accent2" accent3="accent3" accent4="accent4" accent5="accent5" accent6="accent6" hlink="hlink" folHlink="folHlink"/>
   <p:notesStyle>
-    <a:lvl1pPr marL="0" algn="l" defTabSz="703974" rtl="0" eaLnBrk="1" latinLnBrk="0" hangingPunct="1">
-      <a:defRPr sz="924" kern="1200">
+    <a:lvl1pPr marL="0" algn="l" defTabSz="384933" rtl="0" eaLnBrk="1" latinLnBrk="0" hangingPunct="1">
+      <a:defRPr sz="505" kern="1200">
         <a:solidFill>
           <a:schemeClr val="tx1"/>
         </a:solidFill>
@@ -391,8 +391,8 @@
         <a:cs typeface="+mn-cs"/>
       </a:defRPr>
     </a:lvl1pPr>
-    <a:lvl2pPr marL="351986" algn="l" defTabSz="703974" rtl="0" eaLnBrk="1" latinLnBrk="0" hangingPunct="1">
-      <a:defRPr sz="924" kern="1200">
+    <a:lvl2pPr marL="192466" algn="l" defTabSz="384933" rtl="0" eaLnBrk="1" latinLnBrk="0" hangingPunct="1">
+      <a:defRPr sz="505" kern="1200">
         <a:solidFill>
           <a:schemeClr val="tx1"/>
         </a:solidFill>
@@ -401,8 +401,8 @@
         <a:cs typeface="+mn-cs"/>
       </a:defRPr>
     </a:lvl2pPr>
-    <a:lvl3pPr marL="703974" algn="l" defTabSz="703974" rtl="0" eaLnBrk="1" latinLnBrk="0" hangingPunct="1">
-      <a:defRPr sz="924" kern="1200">
+    <a:lvl3pPr marL="384933" algn="l" defTabSz="384933" rtl="0" eaLnBrk="1" latinLnBrk="0" hangingPunct="1">
+      <a:defRPr sz="505" kern="1200">
         <a:solidFill>
           <a:schemeClr val="tx1"/>
         </a:solidFill>
@@ -411,8 +411,8 @@
         <a:cs typeface="+mn-cs"/>
       </a:defRPr>
     </a:lvl3pPr>
-    <a:lvl4pPr marL="1055961" algn="l" defTabSz="703974" rtl="0" eaLnBrk="1" latinLnBrk="0" hangingPunct="1">
-      <a:defRPr sz="924" kern="1200">
+    <a:lvl4pPr marL="577399" algn="l" defTabSz="384933" rtl="0" eaLnBrk="1" latinLnBrk="0" hangingPunct="1">
+      <a:defRPr sz="505" kern="1200">
         <a:solidFill>
           <a:schemeClr val="tx1"/>
         </a:solidFill>
@@ -421,8 +421,8 @@
         <a:cs typeface="+mn-cs"/>
       </a:defRPr>
     </a:lvl4pPr>
-    <a:lvl5pPr marL="1407948" algn="l" defTabSz="703974" rtl="0" eaLnBrk="1" latinLnBrk="0" hangingPunct="1">
-      <a:defRPr sz="924" kern="1200">
+    <a:lvl5pPr marL="769866" algn="l" defTabSz="384933" rtl="0" eaLnBrk="1" latinLnBrk="0" hangingPunct="1">
+      <a:defRPr sz="505" kern="1200">
         <a:solidFill>
           <a:schemeClr val="tx1"/>
         </a:solidFill>
@@ -431,8 +431,8 @@
         <a:cs typeface="+mn-cs"/>
       </a:defRPr>
     </a:lvl5pPr>
-    <a:lvl6pPr marL="1759935" algn="l" defTabSz="703974" rtl="0" eaLnBrk="1" latinLnBrk="0" hangingPunct="1">
-      <a:defRPr sz="924" kern="1200">
+    <a:lvl6pPr marL="962332" algn="l" defTabSz="384933" rtl="0" eaLnBrk="1" latinLnBrk="0" hangingPunct="1">
+      <a:defRPr sz="505" kern="1200">
         <a:solidFill>
           <a:schemeClr val="tx1"/>
         </a:solidFill>
@@ -441,8 +441,8 @@
         <a:cs typeface="+mn-cs"/>
       </a:defRPr>
     </a:lvl6pPr>
-    <a:lvl7pPr marL="2111922" algn="l" defTabSz="703974" rtl="0" eaLnBrk="1" latinLnBrk="0" hangingPunct="1">
-      <a:defRPr sz="924" kern="1200">
+    <a:lvl7pPr marL="1154799" algn="l" defTabSz="384933" rtl="0" eaLnBrk="1" latinLnBrk="0" hangingPunct="1">
+      <a:defRPr sz="505" kern="1200">
         <a:solidFill>
           <a:schemeClr val="tx1"/>
         </a:solidFill>
@@ -451,8 +451,8 @@
         <a:cs typeface="+mn-cs"/>
       </a:defRPr>
     </a:lvl7pPr>
-    <a:lvl8pPr marL="2463910" algn="l" defTabSz="703974" rtl="0" eaLnBrk="1" latinLnBrk="0" hangingPunct="1">
-      <a:defRPr sz="924" kern="1200">
+    <a:lvl8pPr marL="1347266" algn="l" defTabSz="384933" rtl="0" eaLnBrk="1" latinLnBrk="0" hangingPunct="1">
+      <a:defRPr sz="505" kern="1200">
         <a:solidFill>
           <a:schemeClr val="tx1"/>
         </a:solidFill>
@@ -461,8 +461,8 @@
         <a:cs typeface="+mn-cs"/>
       </a:defRPr>
     </a:lvl8pPr>
-    <a:lvl9pPr marL="2815897" algn="l" defTabSz="703974" rtl="0" eaLnBrk="1" latinLnBrk="0" hangingPunct="1">
-      <a:defRPr sz="924" kern="1200">
+    <a:lvl9pPr marL="1539732" algn="l" defTabSz="384933" rtl="0" eaLnBrk="1" latinLnBrk="0" hangingPunct="1">
+      <a:defRPr sz="505" kern="1200">
         <a:solidFill>
           <a:schemeClr val="tx1"/>
         </a:solidFill>
@@ -504,8 +504,8 @@
         </p:nvSpPr>
         <p:spPr>
           <a:xfrm>
-            <a:off x="2195513" y="1143000"/>
-            <a:ext cx="2466975" cy="3086100"/>
+            <a:off x="2657475" y="1143000"/>
+            <a:ext cx="1543050" cy="3086100"/>
           </a:xfrm>
         </p:spPr>
       </p:sp>
@@ -593,8 +593,8 @@
         </p:nvSpPr>
         <p:spPr>
           <a:xfrm>
-            <a:off x="548646" y="2840590"/>
-            <a:ext cx="6217919" cy="1960030"/>
+            <a:off x="270037" y="2236472"/>
+            <a:ext cx="3060382" cy="1543184"/>
           </a:xfrm>
         </p:spPr>
         <p:txBody>
@@ -620,8 +620,8 @@
         </p:nvSpPr>
         <p:spPr>
           <a:xfrm>
-            <a:off x="1097289" y="5181616"/>
-            <a:ext cx="5120641" cy="2336798"/>
+            <a:off x="540072" y="4079624"/>
+            <a:ext cx="2520315" cy="1839822"/>
           </a:xfrm>
         </p:spPr>
         <p:txBody>
@@ -743,7 +743,7 @@
           <a:p>
             <a:fld id="{01197F44-DB72-474A-9754-31703E05C006}" type="datetimeFigureOut">
               <a:rPr lang="en-US" smtClean="0"/>
-              <a:t>10/20/22</a:t>
+              <a:t>9/7/23</a:t>
             </a:fld>
             <a:endParaRPr lang="en-US"/>
           </a:p>
@@ -911,7 +911,7 @@
           <a:p>
             <a:fld id="{01197F44-DB72-474A-9754-31703E05C006}" type="datetimeFigureOut">
               <a:rPr lang="en-US" smtClean="0"/>
-              <a:t>10/20/22</a:t>
+              <a:t>9/7/23</a:t>
             </a:fld>
             <a:endParaRPr lang="en-US"/>
           </a:p>
@@ -1001,8 +1001,8 @@
         </p:nvSpPr>
         <p:spPr>
           <a:xfrm>
-            <a:off x="5303522" y="366193"/>
-            <a:ext cx="1645920" cy="7802040"/>
+            <a:off x="2610328" y="288314"/>
+            <a:ext cx="810101" cy="6142753"/>
           </a:xfrm>
         </p:spPr>
         <p:txBody>
@@ -1028,8 +1028,8 @@
         </p:nvSpPr>
         <p:spPr>
           <a:xfrm>
-            <a:off x="365765" y="366193"/>
-            <a:ext cx="4815840" cy="7802040"/>
+            <a:off x="180025" y="288314"/>
+            <a:ext cx="2370296" cy="6142753"/>
           </a:xfrm>
         </p:spPr>
         <p:txBody>
@@ -1089,7 +1089,7 @@
           <a:p>
             <a:fld id="{01197F44-DB72-474A-9754-31703E05C006}" type="datetimeFigureOut">
               <a:rPr lang="en-US" smtClean="0"/>
-              <a:t>10/20/22</a:t>
+              <a:t>9/7/23</a:t>
             </a:fld>
             <a:endParaRPr lang="en-US"/>
           </a:p>
@@ -1257,7 +1257,7 @@
           <a:p>
             <a:fld id="{01197F44-DB72-474A-9754-31703E05C006}" type="datetimeFigureOut">
               <a:rPr lang="en-US" smtClean="0"/>
-              <a:t>10/20/22</a:t>
+              <a:t>9/7/23</a:t>
             </a:fld>
             <a:endParaRPr lang="en-US"/>
           </a:p>
@@ -1347,8 +1347,8 @@
         </p:nvSpPr>
         <p:spPr>
           <a:xfrm>
-            <a:off x="577858" y="5875890"/>
-            <a:ext cx="6217919" cy="1816103"/>
+            <a:off x="284415" y="4626244"/>
+            <a:ext cx="3060382" cy="1429866"/>
           </a:xfrm>
         </p:spPr>
         <p:txBody>
@@ -1378,8 +1378,8 @@
         </p:nvSpPr>
         <p:spPr>
           <a:xfrm>
-            <a:off x="577858" y="3875638"/>
-            <a:ext cx="6217919" cy="2000250"/>
+            <a:off x="284415" y="3051393"/>
+            <a:ext cx="3060382" cy="1574850"/>
           </a:xfrm>
         </p:spPr>
         <p:txBody>
@@ -1502,7 +1502,7 @@
           <a:p>
             <a:fld id="{01197F44-DB72-474A-9754-31703E05C006}" type="datetimeFigureOut">
               <a:rPr lang="en-US" smtClean="0"/>
-              <a:t>10/20/22</a:t>
+              <a:t>9/7/23</a:t>
             </a:fld>
             <a:endParaRPr lang="en-US"/>
           </a:p>
@@ -1614,8 +1614,8 @@
         </p:nvSpPr>
         <p:spPr>
           <a:xfrm>
-            <a:off x="365766" y="2133626"/>
-            <a:ext cx="3230881" cy="6034618"/>
+            <a:off x="180027" y="1679860"/>
+            <a:ext cx="1590199" cy="4751214"/>
           </a:xfrm>
         </p:spPr>
         <p:txBody>
@@ -1698,8 +1698,8 @@
         </p:nvSpPr>
         <p:spPr>
           <a:xfrm>
-            <a:off x="3718569" y="2133626"/>
-            <a:ext cx="3230881" cy="6034618"/>
+            <a:off x="1830235" y="1679860"/>
+            <a:ext cx="1590199" cy="4751214"/>
           </a:xfrm>
         </p:spPr>
         <p:txBody>
@@ -1787,7 +1787,7 @@
           <a:p>
             <a:fld id="{01197F44-DB72-474A-9754-31703E05C006}" type="datetimeFigureOut">
               <a:rPr lang="en-US" smtClean="0"/>
-              <a:t>10/20/22</a:t>
+              <a:t>9/7/23</a:t>
             </a:fld>
             <a:endParaRPr lang="en-US"/>
           </a:p>
@@ -1903,8 +1903,8 @@
         </p:nvSpPr>
         <p:spPr>
           <a:xfrm>
-            <a:off x="365767" y="2046837"/>
-            <a:ext cx="3232152" cy="853013"/>
+            <a:off x="180027" y="1611529"/>
+            <a:ext cx="1590825" cy="671600"/>
           </a:xfrm>
         </p:spPr>
         <p:txBody>
@@ -1968,8 +1968,8 @@
         </p:nvSpPr>
         <p:spPr>
           <a:xfrm>
-            <a:off x="365767" y="2899836"/>
-            <a:ext cx="3232152" cy="5268393"/>
+            <a:off x="180027" y="2283119"/>
+            <a:ext cx="1590825" cy="4147946"/>
           </a:xfrm>
         </p:spPr>
         <p:txBody>
@@ -2052,8 +2052,8 @@
         </p:nvSpPr>
         <p:spPr>
           <a:xfrm>
-            <a:off x="3716027" y="2046837"/>
-            <a:ext cx="3233421" cy="853013"/>
+            <a:off x="1828983" y="1611529"/>
+            <a:ext cx="1591449" cy="671600"/>
           </a:xfrm>
         </p:spPr>
         <p:txBody>
@@ -2117,8 +2117,8 @@
         </p:nvSpPr>
         <p:spPr>
           <a:xfrm>
-            <a:off x="3716027" y="2899836"/>
-            <a:ext cx="3233421" cy="5268393"/>
+            <a:off x="1828983" y="2283119"/>
+            <a:ext cx="1591449" cy="4147946"/>
           </a:xfrm>
         </p:spPr>
         <p:txBody>
@@ -2206,7 +2206,7 @@
           <a:p>
             <a:fld id="{01197F44-DB72-474A-9754-31703E05C006}" type="datetimeFigureOut">
               <a:rPr lang="en-US" smtClean="0"/>
-              <a:t>10/20/22</a:t>
+              <a:t>9/7/23</a:t>
             </a:fld>
             <a:endParaRPr lang="en-US"/>
           </a:p>
@@ -2323,7 +2323,7 @@
           <a:p>
             <a:fld id="{01197F44-DB72-474A-9754-31703E05C006}" type="datetimeFigureOut">
               <a:rPr lang="en-US" smtClean="0"/>
-              <a:t>10/20/22</a:t>
+              <a:t>9/7/23</a:t>
             </a:fld>
             <a:endParaRPr lang="en-US"/>
           </a:p>
@@ -2418,7 +2418,7 @@
           <a:p>
             <a:fld id="{01197F44-DB72-474A-9754-31703E05C006}" type="datetimeFigureOut">
               <a:rPr lang="en-US" smtClean="0"/>
-              <a:t>10/20/22</a:t>
+              <a:t>9/7/23</a:t>
             </a:fld>
             <a:endParaRPr lang="en-US"/>
           </a:p>
@@ -2508,8 +2508,8 @@
         </p:nvSpPr>
         <p:spPr>
           <a:xfrm>
-            <a:off x="365766" y="364082"/>
-            <a:ext cx="2406650" cy="1549403"/>
+            <a:off x="180026" y="286651"/>
+            <a:ext cx="1184523" cy="1219886"/>
           </a:xfrm>
         </p:spPr>
         <p:txBody>
@@ -2539,8 +2539,8 @@
         </p:nvSpPr>
         <p:spPr>
           <a:xfrm>
-            <a:off x="2860049" y="364083"/>
-            <a:ext cx="4089400" cy="7804150"/>
+            <a:off x="1407680" y="286653"/>
+            <a:ext cx="2012752" cy="6144414"/>
           </a:xfrm>
         </p:spPr>
         <p:txBody>
@@ -2623,8 +2623,8 @@
         </p:nvSpPr>
         <p:spPr>
           <a:xfrm>
-            <a:off x="365766" y="1913482"/>
-            <a:ext cx="2406650" cy="6254753"/>
+            <a:off x="180026" y="1506536"/>
+            <a:ext cx="1184523" cy="4924532"/>
           </a:xfrm>
         </p:spPr>
         <p:txBody>
@@ -2693,7 +2693,7 @@
           <a:p>
             <a:fld id="{01197F44-DB72-474A-9754-31703E05C006}" type="datetimeFigureOut">
               <a:rPr lang="en-US" smtClean="0"/>
-              <a:t>10/20/22</a:t>
+              <a:t>9/7/23</a:t>
             </a:fld>
             <a:endParaRPr lang="en-US"/>
           </a:p>
@@ -2783,8 +2783,8 @@
         </p:nvSpPr>
         <p:spPr>
           <a:xfrm>
-            <a:off x="1433834" y="6400821"/>
-            <a:ext cx="4389120" cy="755648"/>
+            <a:off x="705715" y="5039537"/>
+            <a:ext cx="2160270" cy="594942"/>
           </a:xfrm>
         </p:spPr>
         <p:txBody>
@@ -2814,8 +2814,8 @@
         </p:nvSpPr>
         <p:spPr>
           <a:xfrm>
-            <a:off x="1433834" y="817035"/>
-            <a:ext cx="4389120" cy="5486400"/>
+            <a:off x="705715" y="643273"/>
+            <a:ext cx="2160270" cy="4319588"/>
           </a:xfrm>
         </p:spPr>
         <p:txBody>
@@ -2875,8 +2875,8 @@
         </p:nvSpPr>
         <p:spPr>
           <a:xfrm>
-            <a:off x="1433834" y="7156462"/>
-            <a:ext cx="4389120" cy="1073153"/>
+            <a:off x="705715" y="5634473"/>
+            <a:ext cx="2160270" cy="844922"/>
           </a:xfrm>
         </p:spPr>
         <p:txBody>
@@ -2945,7 +2945,7 @@
           <a:p>
             <a:fld id="{01197F44-DB72-474A-9754-31703E05C006}" type="datetimeFigureOut">
               <a:rPr lang="en-US" smtClean="0"/>
-              <a:t>10/20/22</a:t>
+              <a:t>9/7/23</a:t>
             </a:fld>
             <a:endParaRPr lang="en-US"/>
           </a:p>
@@ -3040,8 +3040,8 @@
         </p:nvSpPr>
         <p:spPr>
           <a:xfrm>
-            <a:off x="365769" y="366195"/>
-            <a:ext cx="6583681" cy="1524000"/>
+            <a:off x="180027" y="288316"/>
+            <a:ext cx="3240405" cy="1199886"/>
           </a:xfrm>
           <a:prstGeom prst="rect">
             <a:avLst/>
@@ -3072,8 +3072,8 @@
         </p:nvSpPr>
         <p:spPr>
           <a:xfrm>
-            <a:off x="365769" y="2133626"/>
-            <a:ext cx="6583681" cy="6034618"/>
+            <a:off x="180027" y="1679860"/>
+            <a:ext cx="3240405" cy="4751214"/>
           </a:xfrm>
           <a:prstGeom prst="rect">
             <a:avLst/>
@@ -3133,8 +3133,8 @@
         </p:nvSpPr>
         <p:spPr>
           <a:xfrm>
-            <a:off x="365760" y="8475147"/>
-            <a:ext cx="1706880" cy="486833"/>
+            <a:off x="180024" y="6672708"/>
+            <a:ext cx="840105" cy="383297"/>
           </a:xfrm>
           <a:prstGeom prst="rect">
             <a:avLst/>
@@ -3156,7 +3156,7 @@
           <a:p>
             <a:fld id="{01197F44-DB72-474A-9754-31703E05C006}" type="datetimeFigureOut">
               <a:rPr lang="en-US" smtClean="0"/>
-              <a:t>10/20/22</a:t>
+              <a:t>9/7/23</a:t>
             </a:fld>
             <a:endParaRPr lang="en-US"/>
           </a:p>
@@ -3174,8 +3174,8 @@
         </p:nvSpPr>
         <p:spPr>
           <a:xfrm>
-            <a:off x="2499361" y="8475147"/>
-            <a:ext cx="2316482" cy="486833"/>
+            <a:off x="1230155" y="6672708"/>
+            <a:ext cx="1140143" cy="383297"/>
           </a:xfrm>
           <a:prstGeom prst="rect">
             <a:avLst/>
@@ -3211,8 +3211,8 @@
         </p:nvSpPr>
         <p:spPr>
           <a:xfrm>
-            <a:off x="5242560" y="8475147"/>
-            <a:ext cx="1706880" cy="486833"/>
+            <a:off x="2580324" y="6672708"/>
+            <a:ext cx="840105" cy="383297"/>
           </a:xfrm>
           <a:prstGeom prst="rect">
             <a:avLst/>
@@ -3533,10 +3533,10 @@
       </p:grpSpPr>
       <p:pic>
         <p:nvPicPr>
-          <p:cNvPr id="13" name="Picture 12">
+          <p:cNvPr id="8" name="Picture 7">
             <a:extLst>
               <a:ext uri="{FF2B5EF4-FFF2-40B4-BE49-F238E27FC236}">
-                <a16:creationId xmlns:a16="http://schemas.microsoft.com/office/drawing/2014/main" id="{F4470CB8-385C-6144-A6A9-33F74B5D09EB}"/>
+                <a16:creationId xmlns:a16="http://schemas.microsoft.com/office/drawing/2014/main" id="{6E34B31D-D0CA-3A42-9743-DBFE3F9BA0DA}"/>
               </a:ext>
             </a:extLst>
           </p:cNvPr>
@@ -3553,108 +3553,8 @@
         </p:blipFill>
         <p:spPr>
           <a:xfrm>
-            <a:off x="0" y="523220"/>
+            <a:off x="60152" y="3387"/>
             <a:ext cx="3480145" cy="7195926"/>
-          </a:xfrm>
-          <a:prstGeom prst="rect">
-            <a:avLst/>
-          </a:prstGeom>
-        </p:spPr>
-      </p:pic>
-      <p:sp>
-        <p:nvSpPr>
-          <p:cNvPr id="6" name="TextBox 5">
-            <a:extLst>
-              <a:ext uri="{FF2B5EF4-FFF2-40B4-BE49-F238E27FC236}">
-                <a16:creationId xmlns:a16="http://schemas.microsoft.com/office/drawing/2014/main" id="{20CA894F-377E-4A4C-9489-C1600ACE739B}"/>
-              </a:ext>
-            </a:extLst>
-          </p:cNvPr>
-          <p:cNvSpPr txBox="1"/>
-          <p:nvPr/>
-        </p:nvSpPr>
-        <p:spPr>
-          <a:xfrm>
-            <a:off x="185980" y="0"/>
-            <a:ext cx="805912" cy="523220"/>
-          </a:xfrm>
-          <a:prstGeom prst="rect">
-            <a:avLst/>
-          </a:prstGeom>
-          <a:noFill/>
-        </p:spPr>
-        <p:txBody>
-          <a:bodyPr wrap="square" rtlCol="0">
-            <a:spAutoFit/>
-          </a:bodyPr>
-          <a:lstStyle/>
-          <a:p>
-            <a:r>
-              <a:rPr lang="en-US" sz="2800" b="1" dirty="0"/>
-              <a:t>A</a:t>
-            </a:r>
-          </a:p>
-        </p:txBody>
-      </p:sp>
-      <p:sp>
-        <p:nvSpPr>
-          <p:cNvPr id="15" name="TextBox 14">
-            <a:extLst>
-              <a:ext uri="{FF2B5EF4-FFF2-40B4-BE49-F238E27FC236}">
-                <a16:creationId xmlns:a16="http://schemas.microsoft.com/office/drawing/2014/main" id="{5D783B46-9A72-CB40-A33F-AB39171B225D}"/>
-              </a:ext>
-            </a:extLst>
-          </p:cNvPr>
-          <p:cNvSpPr txBox="1"/>
-          <p:nvPr/>
-        </p:nvSpPr>
-        <p:spPr>
-          <a:xfrm>
-            <a:off x="3332135" y="0"/>
-            <a:ext cx="805912" cy="523220"/>
-          </a:xfrm>
-          <a:prstGeom prst="rect">
-            <a:avLst/>
-          </a:prstGeom>
-          <a:noFill/>
-        </p:spPr>
-        <p:txBody>
-          <a:bodyPr wrap="square" rtlCol="0">
-            <a:spAutoFit/>
-          </a:bodyPr>
-          <a:lstStyle/>
-          <a:p>
-            <a:r>
-              <a:rPr lang="en-US" sz="2800" b="1" dirty="0"/>
-              <a:t>B</a:t>
-            </a:r>
-          </a:p>
-        </p:txBody>
-      </p:sp>
-      <p:pic>
-        <p:nvPicPr>
-          <p:cNvPr id="3" name="Picture 2">
-            <a:extLst>
-              <a:ext uri="{FF2B5EF4-FFF2-40B4-BE49-F238E27FC236}">
-                <a16:creationId xmlns:a16="http://schemas.microsoft.com/office/drawing/2014/main" id="{A37947C4-3AEE-2A4F-9E3C-B15377525672}"/>
-              </a:ext>
-            </a:extLst>
-          </p:cNvPr>
-          <p:cNvPicPr>
-            <a:picLocks noChangeAspect="1"/>
-          </p:cNvPicPr>
-          <p:nvPr/>
-        </p:nvPicPr>
-        <p:blipFill>
-          <a:blip r:embed="rId4"/>
-          <a:stretch>
-            <a:fillRect/>
-          </a:stretch>
-        </p:blipFill>
-        <p:spPr>
-          <a:xfrm>
-            <a:off x="3735091" y="0"/>
-            <a:ext cx="3480145" cy="9144000"/>
           </a:xfrm>
           <a:prstGeom prst="rect">
             <a:avLst/>
